--- a/Presentation_API/Toillet Tracker API.pptx
+++ b/Presentation_API/Toillet Tracker API.pptx
@@ -5,8 +5,8 @@
     <p:sldMasterId id="2147483648" r:id="rId1"/>
   </p:sldMasterIdLst>
   <p:sldIdLst>
-    <p:sldId id="256" r:id="rId2"/>
-    <p:sldId id="257" r:id="rId3"/>
+    <p:sldId id="257" r:id="rId2"/>
+    <p:sldId id="258" r:id="rId3"/>
   </p:sldIdLst>
   <p:sldSz cx="12192000" cy="6858000"/>
   <p:notesSz cx="6858000" cy="9144000"/>
@@ -105,7 +105,16 @@
       </a:defRPr>
     </a:lvl9pPr>
   </p:defaultTextStyle>
+  <p:extLst>
+    <p:ext uri="{EFAFB233-063F-42B5-8137-9DF3F51BA10A}">
+      <p15:sldGuideLst xmlns:p15="http://schemas.microsoft.com/office/powerpoint/2012/main"/>
+    </p:ext>
+  </p:extLst>
 </p:presentation>
+</file>
+
+<file path=ppt/revisionInfo.xml><?xml version="1.0" encoding="utf-8"?>
+<p1510:revInfo xmlns:a="http://schemas.openxmlformats.org/drawingml/2006/main" xmlns:r="http://schemas.openxmlformats.org/officeDocument/2006/relationships" xmlns:p1510="http://schemas.microsoft.com/office/powerpoint/2015/10/main"/>
 </file>
 
 <file path=ppt/slideLayouts/slideLayout1.xml><?xml version="1.0" encoding="utf-8"?>
@@ -3329,93 +3338,6 @@
 <file path=ppt/slides/slide1.xml><?xml version="1.0" encoding="utf-8"?>
 <p:sld xmlns:a="http://schemas.openxmlformats.org/drawingml/2006/main" xmlns:r="http://schemas.openxmlformats.org/officeDocument/2006/relationships" xmlns:p="http://schemas.openxmlformats.org/presentationml/2006/main">
   <p:cSld>
-    <p:spTree>
-      <p:nvGrpSpPr>
-        <p:cNvPr id="1" name=""/>
-        <p:cNvGrpSpPr/>
-        <p:nvPr/>
-      </p:nvGrpSpPr>
-      <p:grpSpPr>
-        <a:xfrm>
-          <a:off x="0" y="0"/>
-          <a:ext cx="0" cy="0"/>
-          <a:chOff x="0" y="0"/>
-          <a:chExt cx="0" cy="0"/>
-        </a:xfrm>
-      </p:grpSpPr>
-      <p:sp>
-        <p:nvSpPr>
-          <p:cNvPr id="2" name="Titel 1">
-            <a:extLst>
-              <a:ext uri="{FF2B5EF4-FFF2-40B4-BE49-F238E27FC236}">
-                <a16:creationId xmlns:a16="http://schemas.microsoft.com/office/drawing/2014/main" id="{D5A40F70-3561-43C6-BE6A-A867787B0F6D}"/>
-              </a:ext>
-            </a:extLst>
-          </p:cNvPr>
-          <p:cNvSpPr>
-            <a:spLocks noGrp="1"/>
-          </p:cNvSpPr>
-          <p:nvPr>
-            <p:ph type="ctrTitle"/>
-          </p:nvPr>
-        </p:nvSpPr>
-        <p:spPr/>
-        <p:txBody>
-          <a:bodyPr/>
-          <a:lstStyle/>
-          <a:p>
-            <a:r>
-              <a:rPr lang="de-AT" dirty="0" err="1"/>
-              <a:t>Toillet</a:t>
-            </a:r>
-            <a:r>
-              <a:rPr lang="de-AT" dirty="0"/>
-              <a:t> Tracker API</a:t>
-            </a:r>
-          </a:p>
-        </p:txBody>
-      </p:sp>
-      <p:sp>
-        <p:nvSpPr>
-          <p:cNvPr id="3" name="Untertitel 2">
-            <a:extLst>
-              <a:ext uri="{FF2B5EF4-FFF2-40B4-BE49-F238E27FC236}">
-                <a16:creationId xmlns:a16="http://schemas.microsoft.com/office/drawing/2014/main" id="{19F4A198-15E2-4BC0-8E1C-F635E6055136}"/>
-              </a:ext>
-            </a:extLst>
-          </p:cNvPr>
-          <p:cNvSpPr>
-            <a:spLocks noGrp="1"/>
-          </p:cNvSpPr>
-          <p:nvPr>
-            <p:ph type="subTitle" idx="1"/>
-          </p:nvPr>
-        </p:nvSpPr>
-        <p:spPr/>
-        <p:txBody>
-          <a:bodyPr/>
-          <a:lstStyle/>
-          <a:p>
-            <a:endParaRPr lang="de-AT" dirty="0"/>
-          </a:p>
-        </p:txBody>
-      </p:sp>
-    </p:spTree>
-    <p:extLst>
-      <p:ext uri="{BB962C8B-B14F-4D97-AF65-F5344CB8AC3E}">
-        <p14:creationId xmlns:p14="http://schemas.microsoft.com/office/powerpoint/2010/main" val="1210727604"/>
-      </p:ext>
-    </p:extLst>
-  </p:cSld>
-  <p:clrMapOvr>
-    <a:masterClrMapping/>
-  </p:clrMapOvr>
-</p:sld>
-</file>
-
-<file path=ppt/slides/slide2.xml><?xml version="1.0" encoding="utf-8"?>
-<p:sld xmlns:a="http://schemas.openxmlformats.org/drawingml/2006/main" xmlns:r="http://schemas.openxmlformats.org/officeDocument/2006/relationships" xmlns:p="http://schemas.openxmlformats.org/presentationml/2006/main">
-  <p:cSld>
     <p:bg>
       <p:bgPr>
         <a:solidFill>
@@ -4010,6 +3932,355 @@
     <p:extLst>
       <p:ext uri="{BB962C8B-B14F-4D97-AF65-F5344CB8AC3E}">
         <p14:creationId xmlns:p14="http://schemas.microsoft.com/office/powerpoint/2010/main" val="4136035771"/>
+      </p:ext>
+    </p:extLst>
+  </p:cSld>
+  <p:clrMapOvr>
+    <a:masterClrMapping/>
+  </p:clrMapOvr>
+</p:sld>
+</file>
+
+<file path=ppt/slides/slide2.xml><?xml version="1.0" encoding="utf-8"?>
+<p:sld xmlns:a="http://schemas.openxmlformats.org/drawingml/2006/main" xmlns:r="http://schemas.openxmlformats.org/officeDocument/2006/relationships" xmlns:p="http://schemas.openxmlformats.org/presentationml/2006/main">
+  <p:cSld>
+    <p:bg>
+      <p:bgPr>
+        <a:solidFill>
+          <a:schemeClr val="bg1"/>
+        </a:solidFill>
+        <a:effectLst/>
+      </p:bgPr>
+    </p:bg>
+    <p:spTree>
+      <p:nvGrpSpPr>
+        <p:cNvPr id="1" name=""/>
+        <p:cNvGrpSpPr/>
+        <p:nvPr/>
+      </p:nvGrpSpPr>
+      <p:grpSpPr>
+        <a:xfrm>
+          <a:off x="0" y="0"/>
+          <a:ext cx="0" cy="0"/>
+          <a:chOff x="0" y="0"/>
+          <a:chExt cx="0" cy="0"/>
+        </a:xfrm>
+      </p:grpSpPr>
+      <p:sp>
+        <p:nvSpPr>
+          <p:cNvPr id="192" name="Rectangle 191">
+            <a:extLst>
+              <a:ext uri="{FF2B5EF4-FFF2-40B4-BE49-F238E27FC236}">
+                <a16:creationId xmlns:a16="http://schemas.microsoft.com/office/drawing/2014/main" id="{E4B7C1DD-857C-4D03-AAB3-C5C95BD51A8F}"/>
+              </a:ext>
+            </a:extLst>
+          </p:cNvPr>
+          <p:cNvSpPr>
+            <a:spLocks noGrp="1" noRot="1" noChangeAspect="1" noMove="1" noResize="1" noEditPoints="1" noAdjustHandles="1" noChangeArrowheads="1" noChangeShapeType="1" noTextEdit="1"/>
+          </p:cNvSpPr>
+          <p:nvPr>
+            <p:extLst>
+              <p:ext uri="{386F3935-93C4-4BCD-93E2-E3B085C9AB24}">
+                <p16:designElem xmlns:p16="http://schemas.microsoft.com/office/powerpoint/2015/main" val="1"/>
+              </p:ext>
+            </p:extLst>
+          </p:nvPr>
+        </p:nvSpPr>
+        <p:spPr bwMode="ltGray">
+          <a:xfrm>
+            <a:off x="336883" y="321176"/>
+            <a:ext cx="7500831" cy="5896743"/>
+          </a:xfrm>
+          <a:prstGeom prst="rect">
+            <a:avLst/>
+          </a:prstGeom>
+          <a:solidFill>
+            <a:schemeClr val="tx1">
+              <a:alpha val="15000"/>
+            </a:schemeClr>
+          </a:solidFill>
+          <a:ln w="127000" cap="sq" cmpd="thinThick">
+            <a:solidFill>
+              <a:schemeClr val="tx1">
+                <a:alpha val="10000"/>
+              </a:schemeClr>
+            </a:solidFill>
+          </a:ln>
+        </p:spPr>
+        <p:style>
+          <a:lnRef idx="2">
+            <a:schemeClr val="accent1">
+              <a:shade val="50000"/>
+            </a:schemeClr>
+          </a:lnRef>
+          <a:fillRef idx="1">
+            <a:schemeClr val="accent1"/>
+          </a:fillRef>
+          <a:effectRef idx="0">
+            <a:schemeClr val="accent1"/>
+          </a:effectRef>
+          <a:fontRef idx="minor">
+            <a:schemeClr val="lt1"/>
+          </a:fontRef>
+        </p:style>
+        <p:txBody>
+          <a:bodyPr rtlCol="0" anchor="ctr"/>
+          <a:lstStyle/>
+          <a:p>
+            <a:pPr algn="ctr"/>
+            <a:endParaRPr lang="en-US"/>
+          </a:p>
+        </p:txBody>
+      </p:sp>
+      <p:pic>
+        <p:nvPicPr>
+          <p:cNvPr id="1030" name="Picture 6" descr="Bildergebnis für Angular 4">
+            <a:extLst>
+              <a:ext uri="{FF2B5EF4-FFF2-40B4-BE49-F238E27FC236}">
+                <a16:creationId xmlns:a16="http://schemas.microsoft.com/office/drawing/2014/main" id="{5F012850-D65B-42AD-9C31-7E7A1DB8DD16}"/>
+              </a:ext>
+            </a:extLst>
+          </p:cNvPr>
+          <p:cNvPicPr>
+            <a:picLocks noChangeAspect="1" noChangeArrowheads="1"/>
+          </p:cNvPicPr>
+          <p:nvPr/>
+        </p:nvPicPr>
+        <p:blipFill rotWithShape="1">
+          <a:blip r:embed="rId2">
+            <a:extLst>
+              <a:ext uri="{28A0092B-C50C-407E-A947-70E740481C1C}">
+                <a14:useLocalDpi xmlns:a14="http://schemas.microsoft.com/office/drawing/2010/main" val="0"/>
+              </a:ext>
+            </a:extLst>
+          </a:blip>
+          <a:srcRect/>
+          <a:stretch/>
+        </p:blipFill>
+        <p:spPr bwMode="auto">
+          <a:xfrm>
+            <a:off x="9122987" y="4452055"/>
+            <a:ext cx="1765864" cy="1765864"/>
+          </a:xfrm>
+          <a:prstGeom prst="rect">
+            <a:avLst/>
+          </a:prstGeom>
+          <a:noFill/>
+          <a:extLst>
+            <a:ext uri="{909E8E84-426E-40DD-AFC4-6F175D3DCCD1}">
+              <a14:hiddenFill xmlns:a14="http://schemas.microsoft.com/office/drawing/2010/main">
+                <a:solidFill>
+                  <a:srgbClr val="FFFFFF"/>
+                </a:solidFill>
+              </a14:hiddenFill>
+            </a:ext>
+          </a:extLst>
+        </p:spPr>
+      </p:pic>
+      <p:pic>
+        <p:nvPicPr>
+          <p:cNvPr id="1036" name="Picture 12" descr="Bildergebnis für typescript">
+            <a:extLst>
+              <a:ext uri="{FF2B5EF4-FFF2-40B4-BE49-F238E27FC236}">
+                <a16:creationId xmlns:a16="http://schemas.microsoft.com/office/drawing/2014/main" id="{23FF47A4-E093-4DD4-BB38-C40A1D384E6E}"/>
+              </a:ext>
+            </a:extLst>
+          </p:cNvPr>
+          <p:cNvPicPr>
+            <a:picLocks noChangeAspect="1" noChangeArrowheads="1"/>
+          </p:cNvPicPr>
+          <p:nvPr/>
+        </p:nvPicPr>
+        <p:blipFill rotWithShape="1">
+          <a:blip r:embed="rId3">
+            <a:extLst>
+              <a:ext uri="{28A0092B-C50C-407E-A947-70E740481C1C}">
+                <a14:useLocalDpi xmlns:a14="http://schemas.microsoft.com/office/drawing/2010/main" val="0"/>
+              </a:ext>
+            </a:extLst>
+          </a:blip>
+          <a:srcRect/>
+          <a:stretch/>
+        </p:blipFill>
+        <p:spPr bwMode="auto">
+          <a:xfrm>
+            <a:off x="9116789" y="306909"/>
+            <a:ext cx="1758252" cy="1758252"/>
+          </a:xfrm>
+          <a:prstGeom prst="rect">
+            <a:avLst/>
+          </a:prstGeom>
+          <a:noFill/>
+          <a:extLst>
+            <a:ext uri="{909E8E84-426E-40DD-AFC4-6F175D3DCCD1}">
+              <a14:hiddenFill xmlns:a14="http://schemas.microsoft.com/office/drawing/2010/main">
+                <a:solidFill>
+                  <a:srgbClr val="FFFFFF"/>
+                </a:solidFill>
+              </a14:hiddenFill>
+            </a:ext>
+          </a:extLst>
+        </p:spPr>
+      </p:pic>
+      <p:pic>
+        <p:nvPicPr>
+          <p:cNvPr id="1038" name="Picture 14" descr="Bildergebnis für scss">
+            <a:extLst>
+              <a:ext uri="{FF2B5EF4-FFF2-40B4-BE49-F238E27FC236}">
+                <a16:creationId xmlns:a16="http://schemas.microsoft.com/office/drawing/2014/main" id="{9C60BABD-89B7-4331-A874-B48BF97DEFC1}"/>
+              </a:ext>
+            </a:extLst>
+          </p:cNvPr>
+          <p:cNvPicPr>
+            <a:picLocks noChangeAspect="1" noChangeArrowheads="1"/>
+          </p:cNvPicPr>
+          <p:nvPr/>
+        </p:nvPicPr>
+        <p:blipFill rotWithShape="1">
+          <a:blip r:embed="rId4">
+            <a:extLst>
+              <a:ext uri="{28A0092B-C50C-407E-A947-70E740481C1C}">
+                <a14:useLocalDpi xmlns:a14="http://schemas.microsoft.com/office/drawing/2010/main" val="0"/>
+              </a:ext>
+            </a:extLst>
+          </a:blip>
+          <a:srcRect/>
+          <a:stretch/>
+        </p:blipFill>
+        <p:spPr bwMode="auto">
+          <a:xfrm>
+            <a:off x="8460469" y="2386895"/>
+            <a:ext cx="3080895" cy="1743428"/>
+          </a:xfrm>
+          <a:prstGeom prst="rect">
+            <a:avLst/>
+          </a:prstGeom>
+          <a:noFill/>
+          <a:extLst>
+            <a:ext uri="{909E8E84-426E-40DD-AFC4-6F175D3DCCD1}">
+              <a14:hiddenFill xmlns:a14="http://schemas.microsoft.com/office/drawing/2010/main">
+                <a:solidFill>
+                  <a:srgbClr val="FFFFFF"/>
+                </a:solidFill>
+              </a14:hiddenFill>
+            </a:ext>
+          </a:extLst>
+        </p:spPr>
+      </p:pic>
+      <p:sp>
+        <p:nvSpPr>
+          <p:cNvPr id="2" name="Titel 1">
+            <a:extLst>
+              <a:ext uri="{FF2B5EF4-FFF2-40B4-BE49-F238E27FC236}">
+                <a16:creationId xmlns:a16="http://schemas.microsoft.com/office/drawing/2014/main" id="{C2094F7D-7A81-42D3-B645-5CED1C95508B}"/>
+              </a:ext>
+            </a:extLst>
+          </p:cNvPr>
+          <p:cNvSpPr>
+            <a:spLocks noGrp="1"/>
+          </p:cNvSpPr>
+          <p:nvPr>
+            <p:ph type="title"/>
+          </p:nvPr>
+        </p:nvSpPr>
+        <p:spPr>
+          <a:xfrm>
+            <a:off x="821516" y="640263"/>
+            <a:ext cx="6713140" cy="1344975"/>
+          </a:xfrm>
+        </p:spPr>
+        <p:txBody>
+          <a:bodyPr>
+            <a:normAutofit/>
+          </a:bodyPr>
+          <a:lstStyle/>
+          <a:p>
+            <a:r>
+              <a:rPr lang="de-AT" sz="4000"/>
+              <a:t>Website</a:t>
+            </a:r>
+          </a:p>
+        </p:txBody>
+      </p:sp>
+      <p:sp>
+        <p:nvSpPr>
+          <p:cNvPr id="3" name="Inhaltsplatzhalter 2">
+            <a:extLst>
+              <a:ext uri="{FF2B5EF4-FFF2-40B4-BE49-F238E27FC236}">
+                <a16:creationId xmlns:a16="http://schemas.microsoft.com/office/drawing/2014/main" id="{1B66E186-744F-4E5F-8E09-73C82A863AC5}"/>
+              </a:ext>
+            </a:extLst>
+          </p:cNvPr>
+          <p:cNvSpPr>
+            <a:spLocks noGrp="1"/>
+          </p:cNvSpPr>
+          <p:nvPr>
+            <p:ph idx="1"/>
+          </p:nvPr>
+        </p:nvSpPr>
+        <p:spPr>
+          <a:xfrm>
+            <a:off x="821514" y="2121762"/>
+            <a:ext cx="6723145" cy="3626917"/>
+          </a:xfrm>
+        </p:spPr>
+        <p:txBody>
+          <a:bodyPr>
+            <a:normAutofit/>
+          </a:bodyPr>
+          <a:lstStyle/>
+          <a:p>
+            <a:r>
+              <a:rPr lang="de-AT" sz="2400" dirty="0"/>
+              <a:t>Angular 4</a:t>
+            </a:r>
+          </a:p>
+          <a:p>
+            <a:r>
+              <a:rPr lang="de-AT" sz="2400" dirty="0" err="1"/>
+              <a:t>Scss</a:t>
+            </a:r>
+            <a:endParaRPr lang="de-AT" sz="2400" dirty="0"/>
+          </a:p>
+          <a:p>
+            <a:pPr lvl="1"/>
+            <a:r>
+              <a:rPr lang="de-AT" sz="2000" dirty="0"/>
+              <a:t>BEM </a:t>
+            </a:r>
+            <a:r>
+              <a:rPr lang="de-AT" sz="2000" dirty="0">
+                <a:sym typeface="Wingdings" panose="05000000000000000000" pitchFamily="2" charset="2"/>
+              </a:rPr>
+              <a:t> Block Element </a:t>
+            </a:r>
+            <a:r>
+              <a:rPr lang="de-AT" sz="2000" dirty="0" err="1">
+                <a:sym typeface="Wingdings" panose="05000000000000000000" pitchFamily="2" charset="2"/>
+              </a:rPr>
+              <a:t>Modifier</a:t>
+            </a:r>
+            <a:endParaRPr lang="de-AT" sz="2400" dirty="0"/>
+          </a:p>
+          <a:p>
+            <a:r>
+              <a:rPr lang="de-AT" sz="2400" dirty="0"/>
+              <a:t>Progressive Web App</a:t>
+            </a:r>
+          </a:p>
+          <a:p>
+            <a:r>
+              <a:rPr lang="de-AT" sz="2400" dirty="0" err="1"/>
+              <a:t>Seo</a:t>
+            </a:r>
+            <a:endParaRPr lang="de-AT" sz="2400" dirty="0"/>
+          </a:p>
+        </p:txBody>
+      </p:sp>
+    </p:spTree>
+    <p:extLst>
+      <p:ext uri="{BB962C8B-B14F-4D97-AF65-F5344CB8AC3E}">
+        <p14:creationId xmlns:p14="http://schemas.microsoft.com/office/powerpoint/2010/main" val="3916229481"/>
       </p:ext>
     </p:extLst>
   </p:cSld>

--- a/Presentation_API/Toillet Tracker API.pptx
+++ b/Presentation_API/Toillet Tracker API.pptx
@@ -6,7 +6,8 @@
   </p:sldMasterIdLst>
   <p:sldIdLst>
     <p:sldId id="257" r:id="rId2"/>
-    <p:sldId id="258" r:id="rId3"/>
+    <p:sldId id="260" r:id="rId3"/>
+    <p:sldId id="261" r:id="rId4"/>
   </p:sldIdLst>
   <p:sldSz cx="12192000" cy="6858000"/>
   <p:notesSz cx="6858000" cy="9144000"/>
@@ -3966,78 +3967,12 @@
           <a:chExt cx="0" cy="0"/>
         </a:xfrm>
       </p:grpSpPr>
-      <p:sp>
-        <p:nvSpPr>
-          <p:cNvPr id="192" name="Rectangle 191">
-            <a:extLst>
-              <a:ext uri="{FF2B5EF4-FFF2-40B4-BE49-F238E27FC236}">
-                <a16:creationId xmlns:a16="http://schemas.microsoft.com/office/drawing/2014/main" id="{E4B7C1DD-857C-4D03-AAB3-C5C95BD51A8F}"/>
-              </a:ext>
-            </a:extLst>
-          </p:cNvPr>
-          <p:cNvSpPr>
-            <a:spLocks noGrp="1" noRot="1" noChangeAspect="1" noMove="1" noResize="1" noEditPoints="1" noAdjustHandles="1" noChangeArrowheads="1" noChangeShapeType="1" noTextEdit="1"/>
-          </p:cNvSpPr>
-          <p:nvPr>
-            <p:extLst>
-              <p:ext uri="{386F3935-93C4-4BCD-93E2-E3B085C9AB24}">
-                <p16:designElem xmlns:p16="http://schemas.microsoft.com/office/powerpoint/2015/main" val="1"/>
-              </p:ext>
-            </p:extLst>
-          </p:nvPr>
-        </p:nvSpPr>
-        <p:spPr bwMode="ltGray">
-          <a:xfrm>
-            <a:off x="336883" y="321176"/>
-            <a:ext cx="7500831" cy="5896743"/>
-          </a:xfrm>
-          <a:prstGeom prst="rect">
-            <a:avLst/>
-          </a:prstGeom>
-          <a:solidFill>
-            <a:schemeClr val="tx1">
-              <a:alpha val="15000"/>
-            </a:schemeClr>
-          </a:solidFill>
-          <a:ln w="127000" cap="sq" cmpd="thinThick">
-            <a:solidFill>
-              <a:schemeClr val="tx1">
-                <a:alpha val="10000"/>
-              </a:schemeClr>
-            </a:solidFill>
-          </a:ln>
-        </p:spPr>
-        <p:style>
-          <a:lnRef idx="2">
-            <a:schemeClr val="accent1">
-              <a:shade val="50000"/>
-            </a:schemeClr>
-          </a:lnRef>
-          <a:fillRef idx="1">
-            <a:schemeClr val="accent1"/>
-          </a:fillRef>
-          <a:effectRef idx="0">
-            <a:schemeClr val="accent1"/>
-          </a:effectRef>
-          <a:fontRef idx="minor">
-            <a:schemeClr val="lt1"/>
-          </a:fontRef>
-        </p:style>
-        <p:txBody>
-          <a:bodyPr rtlCol="0" anchor="ctr"/>
-          <a:lstStyle/>
-          <a:p>
-            <a:pPr algn="ctr"/>
-            <a:endParaRPr lang="en-US"/>
-          </a:p>
-        </p:txBody>
-      </p:sp>
       <p:pic>
         <p:nvPicPr>
-          <p:cNvPr id="1030" name="Picture 6" descr="Bildergebnis für Angular 4">
-            <a:extLst>
-              <a:ext uri="{FF2B5EF4-FFF2-40B4-BE49-F238E27FC236}">
-                <a16:creationId xmlns:a16="http://schemas.microsoft.com/office/drawing/2014/main" id="{5F012850-D65B-42AD-9C31-7E7A1DB8DD16}"/>
+          <p:cNvPr id="1028" name="Picture 4" descr="Bildergebnis für Toilette">
+            <a:extLst>
+              <a:ext uri="{FF2B5EF4-FFF2-40B4-BE49-F238E27FC236}">
+                <a16:creationId xmlns:a16="http://schemas.microsoft.com/office/drawing/2014/main" id="{FAD7FBFE-1A67-4A0B-AB69-39D785B588A9}"/>
               </a:ext>
             </a:extLst>
           </p:cNvPr>
@@ -4054,18 +3989,19 @@
               </a:ext>
             </a:extLst>
           </a:blip>
-          <a:srcRect/>
+          <a:srcRect l="15385" r="17022"/>
           <a:stretch/>
         </p:blipFill>
         <p:spPr bwMode="auto">
           <a:xfrm>
-            <a:off x="9122987" y="4452055"/>
-            <a:ext cx="1765864" cy="1765864"/>
+            <a:off x="20" y="10"/>
+            <a:ext cx="4635571" cy="6857990"/>
           </a:xfrm>
           <a:prstGeom prst="rect">
             <a:avLst/>
           </a:prstGeom>
           <a:noFill/>
+          <a:effectLst/>
           <a:extLst>
             <a:ext uri="{909E8E84-426E-40DD-AFC4-6F175D3DCCD1}">
               <a14:hiddenFill xmlns:a14="http://schemas.microsoft.com/office/drawing/2010/main">
@@ -4077,102 +4013,12 @@
           </a:extLst>
         </p:spPr>
       </p:pic>
-      <p:pic>
-        <p:nvPicPr>
-          <p:cNvPr id="1036" name="Picture 12" descr="Bildergebnis für typescript">
-            <a:extLst>
-              <a:ext uri="{FF2B5EF4-FFF2-40B4-BE49-F238E27FC236}">
-                <a16:creationId xmlns:a16="http://schemas.microsoft.com/office/drawing/2014/main" id="{23FF47A4-E093-4DD4-BB38-C40A1D384E6E}"/>
-              </a:ext>
-            </a:extLst>
-          </p:cNvPr>
-          <p:cNvPicPr>
-            <a:picLocks noChangeAspect="1" noChangeArrowheads="1"/>
-          </p:cNvPicPr>
-          <p:nvPr/>
-        </p:nvPicPr>
-        <p:blipFill rotWithShape="1">
-          <a:blip r:embed="rId3">
-            <a:extLst>
-              <a:ext uri="{28A0092B-C50C-407E-A947-70E740481C1C}">
-                <a14:useLocalDpi xmlns:a14="http://schemas.microsoft.com/office/drawing/2010/main" val="0"/>
-              </a:ext>
-            </a:extLst>
-          </a:blip>
-          <a:srcRect/>
-          <a:stretch/>
-        </p:blipFill>
-        <p:spPr bwMode="auto">
-          <a:xfrm>
-            <a:off x="9116789" y="306909"/>
-            <a:ext cx="1758252" cy="1758252"/>
-          </a:xfrm>
-          <a:prstGeom prst="rect">
-            <a:avLst/>
-          </a:prstGeom>
-          <a:noFill/>
-          <a:extLst>
-            <a:ext uri="{909E8E84-426E-40DD-AFC4-6F175D3DCCD1}">
-              <a14:hiddenFill xmlns:a14="http://schemas.microsoft.com/office/drawing/2010/main">
-                <a:solidFill>
-                  <a:srgbClr val="FFFFFF"/>
-                </a:solidFill>
-              </a14:hiddenFill>
-            </a:ext>
-          </a:extLst>
-        </p:spPr>
-      </p:pic>
-      <p:pic>
-        <p:nvPicPr>
-          <p:cNvPr id="1038" name="Picture 14" descr="Bildergebnis für scss">
-            <a:extLst>
-              <a:ext uri="{FF2B5EF4-FFF2-40B4-BE49-F238E27FC236}">
-                <a16:creationId xmlns:a16="http://schemas.microsoft.com/office/drawing/2014/main" id="{9C60BABD-89B7-4331-A874-B48BF97DEFC1}"/>
-              </a:ext>
-            </a:extLst>
-          </p:cNvPr>
-          <p:cNvPicPr>
-            <a:picLocks noChangeAspect="1" noChangeArrowheads="1"/>
-          </p:cNvPicPr>
-          <p:nvPr/>
-        </p:nvPicPr>
-        <p:blipFill rotWithShape="1">
-          <a:blip r:embed="rId4">
-            <a:extLst>
-              <a:ext uri="{28A0092B-C50C-407E-A947-70E740481C1C}">
-                <a14:useLocalDpi xmlns:a14="http://schemas.microsoft.com/office/drawing/2010/main" val="0"/>
-              </a:ext>
-            </a:extLst>
-          </a:blip>
-          <a:srcRect/>
-          <a:stretch/>
-        </p:blipFill>
-        <p:spPr bwMode="auto">
-          <a:xfrm>
-            <a:off x="8460469" y="2386895"/>
-            <a:ext cx="3080895" cy="1743428"/>
-          </a:xfrm>
-          <a:prstGeom prst="rect">
-            <a:avLst/>
-          </a:prstGeom>
-          <a:noFill/>
-          <a:extLst>
-            <a:ext uri="{909E8E84-426E-40DD-AFC4-6F175D3DCCD1}">
-              <a14:hiddenFill xmlns:a14="http://schemas.microsoft.com/office/drawing/2010/main">
-                <a:solidFill>
-                  <a:srgbClr val="FFFFFF"/>
-                </a:solidFill>
-              </a14:hiddenFill>
-            </a:ext>
-          </a:extLst>
-        </p:spPr>
-      </p:pic>
       <p:sp>
         <p:nvSpPr>
           <p:cNvPr id="2" name="Titel 1">
             <a:extLst>
               <a:ext uri="{FF2B5EF4-FFF2-40B4-BE49-F238E27FC236}">
-                <a16:creationId xmlns:a16="http://schemas.microsoft.com/office/drawing/2014/main" id="{C2094F7D-7A81-42D3-B645-5CED1C95508B}"/>
+                <a16:creationId xmlns:a16="http://schemas.microsoft.com/office/drawing/2014/main" id="{2278DEB1-7A84-4929-B01A-A8499E57BD0B}"/>
               </a:ext>
             </a:extLst>
           </p:cNvPr>
@@ -4185,8 +4031,8 @@
         </p:nvSpPr>
         <p:spPr>
           <a:xfrm>
-            <a:off x="821516" y="640263"/>
-            <a:ext cx="6713140" cy="1344975"/>
+            <a:off x="4965430" y="629266"/>
+            <a:ext cx="6586491" cy="1676603"/>
           </a:xfrm>
         </p:spPr>
         <p:txBody>
@@ -4196,8 +4042,8 @@
           <a:lstStyle/>
           <a:p>
             <a:r>
-              <a:rPr lang="de-AT" sz="4000"/>
-              <a:t>Website</a:t>
+              <a:rPr lang="de-AT" dirty="0"/>
+              <a:t>Grundgedanke</a:t>
             </a:r>
           </a:p>
         </p:txBody>
@@ -4207,7 +4053,7 @@
           <p:cNvPr id="3" name="Inhaltsplatzhalter 2">
             <a:extLst>
               <a:ext uri="{FF2B5EF4-FFF2-40B4-BE49-F238E27FC236}">
-                <a16:creationId xmlns:a16="http://schemas.microsoft.com/office/drawing/2014/main" id="{1B66E186-744F-4E5F-8E09-73C82A863AC5}"/>
+                <a16:creationId xmlns:a16="http://schemas.microsoft.com/office/drawing/2014/main" id="{405C2D14-5134-4185-BE8F-FF20ECC363FE}"/>
               </a:ext>
             </a:extLst>
           </p:cNvPr>
@@ -4220,8 +4066,8 @@
         </p:nvSpPr>
         <p:spPr>
           <a:xfrm>
-            <a:off x="821514" y="2121762"/>
-            <a:ext cx="6723145" cy="3626917"/>
+            <a:off x="4965431" y="2438400"/>
+            <a:ext cx="6586489" cy="3785419"/>
           </a:xfrm>
         </p:spPr>
         <p:txBody>
@@ -4232,15 +4078,123 @@
           <a:p>
             <a:r>
               <a:rPr lang="de-AT" sz="2400" dirty="0"/>
+              <a:t>Grundproblem </a:t>
+            </a:r>
+            <a:r>
+              <a:rPr lang="de-AT" sz="2400" dirty="0">
+                <a:sym typeface="Wingdings" panose="05000000000000000000" pitchFamily="2" charset="2"/>
+              </a:rPr>
+              <a:t> Der User sucht eine Toilette</a:t>
+            </a:r>
+          </a:p>
+          <a:p>
+            <a:r>
+              <a:rPr lang="de-AT" sz="2400" dirty="0">
+                <a:sym typeface="Wingdings" panose="05000000000000000000" pitchFamily="2" charset="2"/>
+              </a:rPr>
+              <a:t>Unser Projekt hilft den User die bestmöglichste zu finden</a:t>
+            </a:r>
+          </a:p>
+          <a:p>
+            <a:r>
+              <a:rPr lang="de-AT" sz="2400" dirty="0">
+                <a:sym typeface="Wingdings" panose="05000000000000000000" pitchFamily="2" charset="2"/>
+              </a:rPr>
+              <a:t>Nach dem Benutzen kann diese bewertet werden</a:t>
+            </a:r>
+          </a:p>
+        </p:txBody>
+      </p:sp>
+    </p:spTree>
+    <p:extLst>
+      <p:ext uri="{BB962C8B-B14F-4D97-AF65-F5344CB8AC3E}">
+        <p14:creationId xmlns:p14="http://schemas.microsoft.com/office/powerpoint/2010/main" val="662767149"/>
+      </p:ext>
+    </p:extLst>
+  </p:cSld>
+  <p:clrMapOvr>
+    <a:masterClrMapping/>
+  </p:clrMapOvr>
+</p:sld>
+</file>
+
+<file path=ppt/slides/slide3.xml><?xml version="1.0" encoding="utf-8"?>
+<p:sld xmlns:a="http://schemas.openxmlformats.org/drawingml/2006/main" xmlns:r="http://schemas.openxmlformats.org/officeDocument/2006/relationships" xmlns:p="http://schemas.openxmlformats.org/presentationml/2006/main">
+  <p:cSld>
+    <p:spTree>
+      <p:nvGrpSpPr>
+        <p:cNvPr id="1" name=""/>
+        <p:cNvGrpSpPr/>
+        <p:nvPr/>
+      </p:nvGrpSpPr>
+      <p:grpSpPr>
+        <a:xfrm>
+          <a:off x="0" y="0"/>
+          <a:ext cx="0" cy="0"/>
+          <a:chOff x="0" y="0"/>
+          <a:chExt cx="0" cy="0"/>
+        </a:xfrm>
+      </p:grpSpPr>
+      <p:sp>
+        <p:nvSpPr>
+          <p:cNvPr id="2" name="Titel 1">
+            <a:extLst>
+              <a:ext uri="{FF2B5EF4-FFF2-40B4-BE49-F238E27FC236}">
+                <a16:creationId xmlns:a16="http://schemas.microsoft.com/office/drawing/2014/main" id="{5B872941-73B3-46F8-870F-CBA09885C900}"/>
+              </a:ext>
+            </a:extLst>
+          </p:cNvPr>
+          <p:cNvSpPr>
+            <a:spLocks noGrp="1"/>
+          </p:cNvSpPr>
+          <p:nvPr>
+            <p:ph type="title"/>
+          </p:nvPr>
+        </p:nvSpPr>
+        <p:spPr/>
+        <p:txBody>
+          <a:bodyPr/>
+          <a:lstStyle/>
+          <a:p>
+            <a:r>
+              <a:rPr lang="de-AT" dirty="0"/>
+              <a:t>Website</a:t>
+            </a:r>
+          </a:p>
+        </p:txBody>
+      </p:sp>
+      <p:sp>
+        <p:nvSpPr>
+          <p:cNvPr id="3" name="Inhaltsplatzhalter 2">
+            <a:extLst>
+              <a:ext uri="{FF2B5EF4-FFF2-40B4-BE49-F238E27FC236}">
+                <a16:creationId xmlns:a16="http://schemas.microsoft.com/office/drawing/2014/main" id="{9986B00D-D15B-4693-987B-C825FA551824}"/>
+              </a:ext>
+            </a:extLst>
+          </p:cNvPr>
+          <p:cNvSpPr>
+            <a:spLocks noGrp="1"/>
+          </p:cNvSpPr>
+          <p:nvPr>
+            <p:ph idx="1"/>
+          </p:nvPr>
+        </p:nvSpPr>
+        <p:spPr/>
+        <p:txBody>
+          <a:bodyPr/>
+          <a:lstStyle/>
+          <a:p>
+            <a:r>
+              <a:rPr lang="de-AT" sz="2000" dirty="0"/>
               <a:t>Angular 4</a:t>
             </a:r>
           </a:p>
           <a:p>
             <a:r>
-              <a:rPr lang="de-AT" sz="2400" dirty="0" err="1"/>
+              <a:rPr lang="de-AT" sz="2000" dirty="0" err="1"/>
               <a:t>Scss</a:t>
             </a:r>
-            <a:endParaRPr lang="de-AT" sz="2400" dirty="0"/>
+            <a:endParaRPr lang="de-AT" sz="2000" dirty="0"/>
           </a:p>
           <a:p>
             <a:pPr lvl="1"/>
@@ -4260,27 +4214,30 @@
               </a:rPr>
               <a:t>Modifier</a:t>
             </a:r>
-            <a:endParaRPr lang="de-AT" sz="2400" dirty="0"/>
-          </a:p>
-          <a:p>
-            <a:r>
-              <a:rPr lang="de-AT" sz="2400" dirty="0"/>
+            <a:endParaRPr lang="de-AT" sz="2000" dirty="0"/>
+          </a:p>
+          <a:p>
+            <a:r>
+              <a:rPr lang="de-AT" sz="2000" dirty="0"/>
               <a:t>Progressive Web App</a:t>
             </a:r>
           </a:p>
           <a:p>
             <a:r>
-              <a:rPr lang="de-AT" sz="2400" dirty="0" err="1"/>
+              <a:rPr lang="de-AT" sz="2000" dirty="0" err="1"/>
               <a:t>Seo</a:t>
             </a:r>
-            <a:endParaRPr lang="de-AT" sz="2400" dirty="0"/>
+            <a:endParaRPr lang="de-AT" sz="2000" dirty="0"/>
+          </a:p>
+          <a:p>
+            <a:endParaRPr lang="de-AT" dirty="0"/>
           </a:p>
         </p:txBody>
       </p:sp>
     </p:spTree>
     <p:extLst>
       <p:ext uri="{BB962C8B-B14F-4D97-AF65-F5344CB8AC3E}">
-        <p14:creationId xmlns:p14="http://schemas.microsoft.com/office/powerpoint/2010/main" val="3916229481"/>
+        <p14:creationId xmlns:p14="http://schemas.microsoft.com/office/powerpoint/2010/main" val="3162680158"/>
       </p:ext>
     </p:extLst>
   </p:cSld>
